--- a/16317/f15/lectures/16.317f15_lec22_pic_inst3.pptx
+++ b/16317/f15/lectures/16.317f15_lec22_pic_inst3.pptx
@@ -541,7 +541,7 @@
             <a:tailEnd/>
           </a:ln>
           <a:extLst>
-            <a:ext uri="{909E8E84-426E-40dd-AFC4-6F175D3DCCD1}">
+            <a:ext uri="{909E8E84-426E-40DD-AFC4-6F175D3DCCD1}">
               <a14:hiddenFill xmlns:a14="http://schemas.microsoft.com/office/drawing/2010/main">
                 <a:solidFill>
                   <a:srgbClr val="FFFFFF"/>
@@ -549,7 +549,7 @@
               </a14:hiddenFill>
             </a:ext>
             <a:ext uri="{FAA26D3D-D897-4be2-8F04-BA451C77F1D7}">
-              <ma14:placeholderFlag xmlns:ma14="http://schemas.microsoft.com/office/mac/drawingml/2011/main" val="1"/>
+              <ma14:placeholderFlag xmlns:ma14="http://schemas.microsoft.com/office/mac/drawingml/2011/main" xmlns="" val="1"/>
             </a:ext>
           </a:extLst>
         </p:spPr>
@@ -887,14 +887,14 @@
           <a:noFill/>
           <a:ln/>
           <a:extLst>
-            <a:ext uri="{909E8E84-426E-40dd-AFC4-6F175D3DCCD1}">
+            <a:ext uri="{909E8E84-426E-40DD-AFC4-6F175D3DCCD1}">
               <a14:hiddenFill xmlns:a14="http://schemas.microsoft.com/office/drawing/2010/main">
                 <a:solidFill>
                   <a:srgbClr val="FFFFFF"/>
                 </a:solidFill>
               </a14:hiddenFill>
             </a:ext>
-            <a:ext uri="{91240B29-F687-4f45-9708-019B960494DF}">
+            <a:ext uri="{91240B29-F687-4F45-9708-019B960494DF}">
               <a14:hiddenLine xmlns:a14="http://schemas.microsoft.com/office/drawing/2010/main" w="9525">
                 <a:solidFill>
                   <a:srgbClr val="000000"/>
@@ -1062,14 +1062,14 @@
           <a:noFill/>
           <a:ln/>
           <a:extLst>
-            <a:ext uri="{909E8E84-426E-40dd-AFC4-6F175D3DCCD1}">
+            <a:ext uri="{909E8E84-426E-40DD-AFC4-6F175D3DCCD1}">
               <a14:hiddenFill xmlns:a14="http://schemas.microsoft.com/office/drawing/2010/main">
                 <a:solidFill>
                   <a:srgbClr val="FFFFFF"/>
                 </a:solidFill>
               </a14:hiddenFill>
             </a:ext>
-            <a:ext uri="{91240B29-F687-4f45-9708-019B960494DF}">
+            <a:ext uri="{91240B29-F687-4F45-9708-019B960494DF}">
               <a14:hiddenLine xmlns:a14="http://schemas.microsoft.com/office/drawing/2010/main" w="9525">
                 <a:solidFill>
                   <a:srgbClr val="000000"/>
@@ -1080,7 +1080,7 @@
               </a14:hiddenLine>
             </a:ext>
             <a:ext uri="{FAA26D3D-D897-4be2-8F04-BA451C77F1D7}">
-              <ma14:placeholderFlag xmlns:ma14="http://schemas.microsoft.com/office/mac/drawingml/2011/main" val="1"/>
+              <ma14:placeholderFlag xmlns:ma14="http://schemas.microsoft.com/office/mac/drawingml/2011/main" xmlns="" val="1"/>
             </a:ext>
           </a:extLst>
         </p:spPr>
@@ -1132,14 +1132,14 @@
           <a:noFill/>
           <a:ln/>
           <a:extLst>
-            <a:ext uri="{909E8E84-426E-40dd-AFC4-6F175D3DCCD1}">
+            <a:ext uri="{909E8E84-426E-40DD-AFC4-6F175D3DCCD1}">
               <a14:hiddenFill xmlns:a14="http://schemas.microsoft.com/office/drawing/2010/main">
                 <a:solidFill>
                   <a:srgbClr val="FFFFFF"/>
                 </a:solidFill>
               </a14:hiddenFill>
             </a:ext>
-            <a:ext uri="{91240B29-F687-4f45-9708-019B960494DF}">
+            <a:ext uri="{91240B29-F687-4F45-9708-019B960494DF}">
               <a14:hiddenLine xmlns:a14="http://schemas.microsoft.com/office/drawing/2010/main" w="9525">
                 <a:solidFill>
                   <a:srgbClr val="000000"/>
@@ -1273,7 +1273,7 @@
             <a:fld id="{7631F68B-68FF-5C4E-B828-4301A69F89E9}" type="datetime1">
               <a:rPr lang="en-US"/>
               <a:pPr/>
-              <a:t>10/23/15</a:t>
+              <a:t>10/26/2015</a:t>
             </a:fld>
             <a:endParaRPr lang="en-US"/>
           </a:p>
@@ -1293,14 +1293,14 @@
           <a:noFill/>
           <a:ln/>
           <a:extLst>
-            <a:ext uri="{909E8E84-426E-40dd-AFC4-6F175D3DCCD1}">
+            <a:ext uri="{909E8E84-426E-40DD-AFC4-6F175D3DCCD1}">
               <a14:hiddenFill xmlns:a14="http://schemas.microsoft.com/office/drawing/2010/main">
                 <a:solidFill>
                   <a:srgbClr val="FFFFFF"/>
                 </a:solidFill>
               </a14:hiddenFill>
             </a:ext>
-            <a:ext uri="{91240B29-F687-4f45-9708-019B960494DF}">
+            <a:ext uri="{91240B29-F687-4F45-9708-019B960494DF}">
               <a14:hiddenLine xmlns:a14="http://schemas.microsoft.com/office/drawing/2010/main" w="9525">
                 <a:solidFill>
                   <a:srgbClr val="000000"/>
@@ -1452,14 +1452,14 @@
           <a:noFill/>
           <a:ln/>
           <a:extLst>
-            <a:ext uri="{909E8E84-426E-40dd-AFC4-6F175D3DCCD1}">
+            <a:ext uri="{909E8E84-426E-40DD-AFC4-6F175D3DCCD1}">
               <a14:hiddenFill xmlns:a14="http://schemas.microsoft.com/office/drawing/2010/main">
                 <a:solidFill>
                   <a:srgbClr val="FFFFFF"/>
                 </a:solidFill>
               </a14:hiddenFill>
             </a:ext>
-            <a:ext uri="{91240B29-F687-4f45-9708-019B960494DF}">
+            <a:ext uri="{91240B29-F687-4F45-9708-019B960494DF}">
               <a14:hiddenLine xmlns:a14="http://schemas.microsoft.com/office/drawing/2010/main" w="9525">
                 <a:solidFill>
                   <a:srgbClr val="000000"/>
@@ -1637,7 +1637,7 @@
           </a:ln>
           <a:extLst>
             <a:ext uri="{FAA26D3D-D897-4be2-8F04-BA451C77F1D7}">
-              <ma14:placeholderFlag xmlns:ma14="http://schemas.microsoft.com/office/mac/drawingml/2011/main" val="1"/>
+              <ma14:placeholderFlag xmlns:ma14="http://schemas.microsoft.com/office/mac/drawingml/2011/main" xmlns="" val="1"/>
             </a:ext>
           </a:extLst>
         </p:spPr>
@@ -1688,14 +1688,14 @@
           <a:noFill/>
           <a:ln/>
           <a:extLst>
-            <a:ext uri="{909E8E84-426E-40dd-AFC4-6F175D3DCCD1}">
+            <a:ext uri="{909E8E84-426E-40DD-AFC4-6F175D3DCCD1}">
               <a14:hiddenFill xmlns:a14="http://schemas.microsoft.com/office/drawing/2010/main">
                 <a:solidFill>
                   <a:srgbClr val="FFFFFF"/>
                 </a:solidFill>
               </a14:hiddenFill>
             </a:ext>
-            <a:ext uri="{91240B29-F687-4f45-9708-019B960494DF}">
+            <a:ext uri="{91240B29-F687-4F45-9708-019B960494DF}">
               <a14:hiddenLine xmlns:a14="http://schemas.microsoft.com/office/drawing/2010/main" w="9525">
                 <a:solidFill>
                   <a:srgbClr val="000000"/>
@@ -1829,7 +1829,7 @@
             <a:fld id="{D554D09B-919B-B542-BEBE-E6B7AEA380AD}" type="datetime1">
               <a:rPr lang="en-US"/>
               <a:pPr/>
-              <a:t>10/23/15</a:t>
+              <a:t>10/26/2015</a:t>
             </a:fld>
             <a:endParaRPr lang="en-US"/>
           </a:p>
@@ -1849,14 +1849,14 @@
           <a:noFill/>
           <a:ln/>
           <a:extLst>
-            <a:ext uri="{909E8E84-426E-40dd-AFC4-6F175D3DCCD1}">
+            <a:ext uri="{909E8E84-426E-40DD-AFC4-6F175D3DCCD1}">
               <a14:hiddenFill xmlns:a14="http://schemas.microsoft.com/office/drawing/2010/main">
                 <a:solidFill>
                   <a:srgbClr val="FFFFFF"/>
                 </a:solidFill>
               </a14:hiddenFill>
             </a:ext>
-            <a:ext uri="{91240B29-F687-4f45-9708-019B960494DF}">
+            <a:ext uri="{91240B29-F687-4F45-9708-019B960494DF}">
               <a14:hiddenLine xmlns:a14="http://schemas.microsoft.com/office/drawing/2010/main" w="9525">
                 <a:solidFill>
                   <a:srgbClr val="000000"/>
@@ -2008,14 +2008,14 @@
           <a:noFill/>
           <a:ln/>
           <a:extLst>
-            <a:ext uri="{909E8E84-426E-40dd-AFC4-6F175D3DCCD1}">
+            <a:ext uri="{909E8E84-426E-40DD-AFC4-6F175D3DCCD1}">
               <a14:hiddenFill xmlns:a14="http://schemas.microsoft.com/office/drawing/2010/main">
                 <a:solidFill>
                   <a:srgbClr val="FFFFFF"/>
                 </a:solidFill>
               </a14:hiddenFill>
             </a:ext>
-            <a:ext uri="{91240B29-F687-4f45-9708-019B960494DF}">
+            <a:ext uri="{91240B29-F687-4F45-9708-019B960494DF}">
               <a14:hiddenLine xmlns:a14="http://schemas.microsoft.com/office/drawing/2010/main" w="9525">
                 <a:solidFill>
                   <a:srgbClr val="000000"/>
@@ -2193,7 +2193,7 @@
           </a:ln>
           <a:extLst>
             <a:ext uri="{FAA26D3D-D897-4be2-8F04-BA451C77F1D7}">
-              <ma14:placeholderFlag xmlns:ma14="http://schemas.microsoft.com/office/mac/drawingml/2011/main" val="1"/>
+              <ma14:placeholderFlag xmlns:ma14="http://schemas.microsoft.com/office/mac/drawingml/2011/main" xmlns="" val="1"/>
             </a:ext>
           </a:extLst>
         </p:spPr>
@@ -2244,14 +2244,14 @@
           <a:noFill/>
           <a:ln/>
           <a:extLst>
-            <a:ext uri="{909E8E84-426E-40dd-AFC4-6F175D3DCCD1}">
+            <a:ext uri="{909E8E84-426E-40DD-AFC4-6F175D3DCCD1}">
               <a14:hiddenFill xmlns:a14="http://schemas.microsoft.com/office/drawing/2010/main">
                 <a:solidFill>
                   <a:srgbClr val="FFFFFF"/>
                 </a:solidFill>
               </a14:hiddenFill>
             </a:ext>
-            <a:ext uri="{91240B29-F687-4f45-9708-019B960494DF}">
+            <a:ext uri="{91240B29-F687-4F45-9708-019B960494DF}">
               <a14:hiddenLine xmlns:a14="http://schemas.microsoft.com/office/drawing/2010/main" w="9525">
                 <a:solidFill>
                   <a:srgbClr val="000000"/>
@@ -2385,7 +2385,7 @@
             <a:fld id="{46F29E6B-CE0D-FB4F-B659-14A9D4B9EB64}" type="datetime1">
               <a:rPr lang="en-US"/>
               <a:pPr/>
-              <a:t>10/23/15</a:t>
+              <a:t>10/26/2015</a:t>
             </a:fld>
             <a:endParaRPr lang="en-US"/>
           </a:p>
@@ -2405,14 +2405,14 @@
           <a:noFill/>
           <a:ln/>
           <a:extLst>
-            <a:ext uri="{909E8E84-426E-40dd-AFC4-6F175D3DCCD1}">
+            <a:ext uri="{909E8E84-426E-40DD-AFC4-6F175D3DCCD1}">
               <a14:hiddenFill xmlns:a14="http://schemas.microsoft.com/office/drawing/2010/main">
                 <a:solidFill>
                   <a:srgbClr val="FFFFFF"/>
                 </a:solidFill>
               </a14:hiddenFill>
             </a:ext>
-            <a:ext uri="{91240B29-F687-4f45-9708-019B960494DF}">
+            <a:ext uri="{91240B29-F687-4F45-9708-019B960494DF}">
               <a14:hiddenLine xmlns:a14="http://schemas.microsoft.com/office/drawing/2010/main" w="9525">
                 <a:solidFill>
                   <a:srgbClr val="000000"/>
@@ -2564,14 +2564,14 @@
           <a:noFill/>
           <a:ln/>
           <a:extLst>
-            <a:ext uri="{909E8E84-426E-40dd-AFC4-6F175D3DCCD1}">
+            <a:ext uri="{909E8E84-426E-40DD-AFC4-6F175D3DCCD1}">
               <a14:hiddenFill xmlns:a14="http://schemas.microsoft.com/office/drawing/2010/main">
                 <a:solidFill>
                   <a:srgbClr val="FFFFFF"/>
                 </a:solidFill>
               </a14:hiddenFill>
             </a:ext>
-            <a:ext uri="{91240B29-F687-4f45-9708-019B960494DF}">
+            <a:ext uri="{91240B29-F687-4F45-9708-019B960494DF}">
               <a14:hiddenLine xmlns:a14="http://schemas.microsoft.com/office/drawing/2010/main" w="9525">
                 <a:solidFill>
                   <a:srgbClr val="000000"/>
@@ -2749,7 +2749,7 @@
           </a:ln>
           <a:extLst>
             <a:ext uri="{FAA26D3D-D897-4be2-8F04-BA451C77F1D7}">
-              <ma14:placeholderFlag xmlns:ma14="http://schemas.microsoft.com/office/mac/drawingml/2011/main" val="1"/>
+              <ma14:placeholderFlag xmlns:ma14="http://schemas.microsoft.com/office/mac/drawingml/2011/main" xmlns="" val="1"/>
             </a:ext>
           </a:extLst>
         </p:spPr>
@@ -2800,14 +2800,14 @@
           <a:noFill/>
           <a:ln/>
           <a:extLst>
-            <a:ext uri="{909E8E84-426E-40dd-AFC4-6F175D3DCCD1}">
+            <a:ext uri="{909E8E84-426E-40DD-AFC4-6F175D3DCCD1}">
               <a14:hiddenFill xmlns:a14="http://schemas.microsoft.com/office/drawing/2010/main">
                 <a:solidFill>
                   <a:srgbClr val="FFFFFF"/>
                 </a:solidFill>
               </a14:hiddenFill>
             </a:ext>
-            <a:ext uri="{91240B29-F687-4f45-9708-019B960494DF}">
+            <a:ext uri="{91240B29-F687-4F45-9708-019B960494DF}">
               <a14:hiddenLine xmlns:a14="http://schemas.microsoft.com/office/drawing/2010/main" w="9525">
                 <a:solidFill>
                   <a:srgbClr val="000000"/>
@@ -2941,7 +2941,7 @@
             <a:fld id="{B7151316-3233-AC4E-A939-6544B58DB2C4}" type="datetime1">
               <a:rPr lang="en-US"/>
               <a:pPr/>
-              <a:t>10/23/15</a:t>
+              <a:t>10/26/2015</a:t>
             </a:fld>
             <a:endParaRPr lang="en-US"/>
           </a:p>
@@ -2961,14 +2961,14 @@
           <a:noFill/>
           <a:ln/>
           <a:extLst>
-            <a:ext uri="{909E8E84-426E-40dd-AFC4-6F175D3DCCD1}">
+            <a:ext uri="{909E8E84-426E-40DD-AFC4-6F175D3DCCD1}">
               <a14:hiddenFill xmlns:a14="http://schemas.microsoft.com/office/drawing/2010/main">
                 <a:solidFill>
                   <a:srgbClr val="FFFFFF"/>
                 </a:solidFill>
               </a14:hiddenFill>
             </a:ext>
-            <a:ext uri="{91240B29-F687-4f45-9708-019B960494DF}">
+            <a:ext uri="{91240B29-F687-4F45-9708-019B960494DF}">
               <a14:hiddenLine xmlns:a14="http://schemas.microsoft.com/office/drawing/2010/main" w="9525">
                 <a:solidFill>
                   <a:srgbClr val="000000"/>
@@ -3120,14 +3120,14 @@
           <a:noFill/>
           <a:ln/>
           <a:extLst>
-            <a:ext uri="{909E8E84-426E-40dd-AFC4-6F175D3DCCD1}">
+            <a:ext uri="{909E8E84-426E-40DD-AFC4-6F175D3DCCD1}">
               <a14:hiddenFill xmlns:a14="http://schemas.microsoft.com/office/drawing/2010/main">
                 <a:solidFill>
                   <a:srgbClr val="FFFFFF"/>
                 </a:solidFill>
               </a14:hiddenFill>
             </a:ext>
-            <a:ext uri="{91240B29-F687-4f45-9708-019B960494DF}">
+            <a:ext uri="{91240B29-F687-4F45-9708-019B960494DF}">
               <a14:hiddenLine xmlns:a14="http://schemas.microsoft.com/office/drawing/2010/main" w="9525">
                 <a:solidFill>
                   <a:srgbClr val="000000"/>
@@ -3305,7 +3305,7 @@
           </a:ln>
           <a:extLst>
             <a:ext uri="{FAA26D3D-D897-4be2-8F04-BA451C77F1D7}">
-              <ma14:placeholderFlag xmlns:ma14="http://schemas.microsoft.com/office/mac/drawingml/2011/main" val="1"/>
+              <ma14:placeholderFlag xmlns:ma14="http://schemas.microsoft.com/office/mac/drawingml/2011/main" xmlns="" val="1"/>
             </a:ext>
           </a:extLst>
         </p:spPr>
@@ -3406,7 +3406,7 @@
             <a:tailEnd/>
           </a:ln>
           <a:extLst>
-            <a:ext uri="{909E8E84-426E-40dd-AFC4-6F175D3DCCD1}">
+            <a:ext uri="{909E8E84-426E-40DD-AFC4-6F175D3DCCD1}">
               <a14:hiddenFill xmlns:a14="http://schemas.microsoft.com/office/drawing/2010/main">
                 <a:solidFill>
                   <a:srgbClr val="FFFFFF"/>
@@ -3449,7 +3449,7 @@
             <a:tailEnd/>
           </a:ln>
           <a:extLst>
-            <a:ext uri="{909E8E84-426E-40dd-AFC4-6F175D3DCCD1}">
+            <a:ext uri="{909E8E84-426E-40DD-AFC4-6F175D3DCCD1}">
               <a14:hiddenFill xmlns:a14="http://schemas.microsoft.com/office/drawing/2010/main">
                 <a:noFill/>
               </a14:hiddenFill>
@@ -3550,7 +3550,7 @@
             <a:fld id="{8F30670F-0B09-A54A-9679-1AD56A04F7E1}" type="datetime1">
               <a:rPr lang="en-US"/>
               <a:pPr/>
-              <a:t>10/23/15</a:t>
+              <a:t>10/26/2015</a:t>
             </a:fld>
             <a:endParaRPr lang="en-US"/>
           </a:p>
@@ -3747,7 +3747,7 @@
             <a:fld id="{F107631F-B63F-CD4D-8684-784A0E177933}" type="datetime1">
               <a:rPr lang="en-US"/>
               <a:pPr/>
-              <a:t>10/23/15</a:t>
+              <a:t>10/26/2015</a:t>
             </a:fld>
             <a:endParaRPr lang="en-US"/>
           </a:p>
@@ -3953,7 +3953,7 @@
             <a:fld id="{8F9C5F59-CE1F-5B4F-9019-9FAB9BCEA5F4}" type="datetime1">
               <a:rPr lang="en-US"/>
               <a:pPr/>
-              <a:t>10/23/15</a:t>
+              <a:t>10/26/2015</a:t>
             </a:fld>
             <a:endParaRPr lang="en-US"/>
           </a:p>
@@ -4216,7 +4216,7 @@
             <a:fld id="{D50A07D7-3F89-DF4D-BB6A-7EE311A08BF6}" type="datetime1">
               <a:rPr lang="en-US"/>
               <a:pPr/>
-              <a:t>10/23/15</a:t>
+              <a:t>10/26/2015</a:t>
             </a:fld>
             <a:endParaRPr lang="en-US"/>
           </a:p>
@@ -4479,7 +4479,7 @@
             <a:fld id="{E7E30396-2E68-3247-A2B3-A531D4CBC058}" type="datetime1">
               <a:rPr lang="en-US"/>
               <a:pPr/>
-              <a:t>10/23/15</a:t>
+              <a:t>10/26/2015</a:t>
             </a:fld>
             <a:endParaRPr lang="en-US"/>
           </a:p>
@@ -4797,7 +4797,7 @@
             <a:fld id="{6996EAE0-1BB9-A449-804C-9D5830938FDA}" type="datetime1">
               <a:rPr lang="en-US"/>
               <a:pPr/>
-              <a:t>10/23/15</a:t>
+              <a:t>10/26/2015</a:t>
             </a:fld>
             <a:endParaRPr lang="en-US"/>
           </a:p>
@@ -4994,7 +4994,7 @@
             <a:fld id="{07B0D929-92EE-5B41-9754-BCAE4733A8F4}" type="datetime1">
               <a:rPr lang="en-US"/>
               <a:pPr/>
-              <a:t>10/23/15</a:t>
+              <a:t>10/26/2015</a:t>
             </a:fld>
             <a:endParaRPr lang="en-US"/>
           </a:p>
@@ -5212,7 +5212,7 @@
             <a:fld id="{1CD1FC24-AC3F-0541-AE78-4A514624CE9A}" type="datetime1">
               <a:rPr lang="en-US"/>
               <a:pPr/>
-              <a:t>10/23/15</a:t>
+              <a:t>10/26/2015</a:t>
             </a:fld>
             <a:endParaRPr lang="en-US"/>
           </a:p>
@@ -5526,7 +5526,7 @@
             <a:fld id="{E9569CB3-70F4-D542-911D-03005A97868E}" type="datetime1">
               <a:rPr lang="en-US"/>
               <a:pPr/>
-              <a:t>10/23/15</a:t>
+              <a:t>10/26/2015</a:t>
             </a:fld>
             <a:endParaRPr lang="en-US"/>
           </a:p>
@@ -5979,7 +5979,7 @@
             <a:fld id="{F6E3765F-E64D-C846-A665-0CE084CE4AB4}" type="datetime1">
               <a:rPr lang="en-US"/>
               <a:pPr/>
-              <a:t>10/23/15</a:t>
+              <a:t>10/26/2015</a:t>
             </a:fld>
             <a:endParaRPr lang="en-US"/>
           </a:p>
@@ -6123,7 +6123,7 @@
             <a:fld id="{1F03933B-08F0-C845-A5BA-9DC14E388B83}" type="datetime1">
               <a:rPr lang="en-US"/>
               <a:pPr/>
-              <a:t>10/23/15</a:t>
+              <a:t>10/26/2015</a:t>
             </a:fld>
             <a:endParaRPr lang="en-US"/>
           </a:p>
@@ -6244,7 +6244,7 @@
             <a:fld id="{49454254-4B07-C445-848D-A77C789DEA05}" type="datetime1">
               <a:rPr lang="en-US"/>
               <a:pPr/>
-              <a:t>10/23/15</a:t>
+              <a:t>10/26/2015</a:t>
             </a:fld>
             <a:endParaRPr lang="en-US"/>
           </a:p>
@@ -6547,7 +6547,7 @@
             <a:fld id="{ED0C7615-2733-714F-8CB1-91B4F2CEAFAC}" type="datetime1">
               <a:rPr lang="en-US"/>
               <a:pPr/>
-              <a:t>10/23/15</a:t>
+              <a:t>10/26/2015</a:t>
             </a:fld>
             <a:endParaRPr lang="en-US"/>
           </a:p>
@@ -6827,7 +6827,7 @@
             <a:fld id="{1065BDBF-E250-F34C-9F8E-722359078B7A}" type="datetime1">
               <a:rPr lang="en-US"/>
               <a:pPr/>
-              <a:t>10/23/15</a:t>
+              <a:t>10/26/2015</a:t>
             </a:fld>
             <a:endParaRPr lang="en-US"/>
           </a:p>
@@ -6955,14 +6955,14 @@
             <a:noFill/>
           </a:ln>
           <a:extLst>
-            <a:ext uri="{909E8E84-426E-40dd-AFC4-6F175D3DCCD1}">
+            <a:ext uri="{909E8E84-426E-40DD-AFC4-6F175D3DCCD1}">
               <a14:hiddenFill xmlns:a14="http://schemas.microsoft.com/office/drawing/2010/main">
                 <a:solidFill>
                   <a:srgbClr val="FFFFFF"/>
                 </a:solidFill>
               </a14:hiddenFill>
             </a:ext>
-            <a:ext uri="{91240B29-F687-4f45-9708-019B960494DF}">
+            <a:ext uri="{91240B29-F687-4F45-9708-019B960494DF}">
               <a14:hiddenLine xmlns:a14="http://schemas.microsoft.com/office/drawing/2010/main" w="9525">
                 <a:solidFill>
                   <a:srgbClr val="000000"/>
@@ -6973,7 +6973,7 @@
               </a14:hiddenLine>
             </a:ext>
             <a:ext uri="{FAA26D3D-D897-4be2-8F04-BA451C77F1D7}">
-              <ma14:placeholderFlag xmlns:ma14="http://schemas.microsoft.com/office/mac/drawingml/2011/main" val="1"/>
+              <ma14:placeholderFlag xmlns:ma14="http://schemas.microsoft.com/office/mac/drawingml/2011/main" xmlns="" val="1"/>
             </a:ext>
           </a:extLst>
         </p:spPr>
@@ -7016,14 +7016,14 @@
             <a:noFill/>
           </a:ln>
           <a:extLst>
-            <a:ext uri="{909E8E84-426E-40dd-AFC4-6F175D3DCCD1}">
+            <a:ext uri="{909E8E84-426E-40DD-AFC4-6F175D3DCCD1}">
               <a14:hiddenFill xmlns:a14="http://schemas.microsoft.com/office/drawing/2010/main">
                 <a:solidFill>
                   <a:srgbClr val="FFFFFF"/>
                 </a:solidFill>
               </a14:hiddenFill>
             </a:ext>
-            <a:ext uri="{91240B29-F687-4f45-9708-019B960494DF}">
+            <a:ext uri="{91240B29-F687-4F45-9708-019B960494DF}">
               <a14:hiddenLine xmlns:a14="http://schemas.microsoft.com/office/drawing/2010/main" w="9525">
                 <a:solidFill>
                   <a:srgbClr val="000000"/>
@@ -7034,7 +7034,7 @@
               </a14:hiddenLine>
             </a:ext>
             <a:ext uri="{FAA26D3D-D897-4be2-8F04-BA451C77F1D7}">
-              <ma14:placeholderFlag xmlns:ma14="http://schemas.microsoft.com/office/mac/drawingml/2011/main" val="1"/>
+              <ma14:placeholderFlag xmlns:ma14="http://schemas.microsoft.com/office/mac/drawingml/2011/main" xmlns="" val="1"/>
             </a:ext>
           </a:extLst>
         </p:spPr>
@@ -7126,7 +7126,7 @@
             <a:fld id="{D5A05178-93FD-9140-88A4-8DABD2AA8AD3}" type="datetime1">
               <a:rPr lang="en-US"/>
               <a:pPr/>
-              <a:t>10/23/15</a:t>
+              <a:t>10/26/2015</a:t>
             </a:fld>
             <a:endParaRPr lang="en-US"/>
           </a:p>
@@ -7299,7 +7299,7 @@
             <a:tailEnd/>
           </a:ln>
           <a:extLst>
-            <a:ext uri="{909E8E84-426E-40dd-AFC4-6F175D3DCCD1}">
+            <a:ext uri="{909E8E84-426E-40DD-AFC4-6F175D3DCCD1}">
               <a14:hiddenFill xmlns:a14="http://schemas.microsoft.com/office/drawing/2010/main">
                 <a:solidFill>
                   <a:srgbClr val="FFFFFF"/>
@@ -7342,7 +7342,7 @@
             <a:tailEnd/>
           </a:ln>
           <a:extLst>
-            <a:ext uri="{909E8E84-426E-40dd-AFC4-6F175D3DCCD1}">
+            <a:ext uri="{909E8E84-426E-40DD-AFC4-6F175D3DCCD1}">
               <a14:hiddenFill xmlns:a14="http://schemas.microsoft.com/office/drawing/2010/main">
                 <a:noFill/>
               </a14:hiddenFill>
@@ -7379,7 +7379,7 @@
   <p:timing>
     <p:tnLst>
       <p:par>
-        <p:cTn xmlns:p14="http://schemas.microsoft.com/office/powerpoint/2010/main" id="1" dur="indefinite" restart="never" nodeType="tmRoot"/>
+        <p:cTn id="1" dur="indefinite" restart="never" nodeType="tmRoot"/>
       </p:par>
     </p:tnLst>
   </p:timing>
@@ -7987,7 +7987,7 @@
   <p:timing>
     <p:tnLst>
       <p:par>
-        <p:cTn xmlns:p14="http://schemas.microsoft.com/office/powerpoint/2010/main" id="1" dur="indefinite" restart="never" nodeType="tmRoot"/>
+        <p:cTn id="1" dur="indefinite" restart="never" nodeType="tmRoot"/>
       </p:par>
     </p:tnLst>
   </p:timing>
@@ -8440,14 +8440,14 @@
           <a:noFill/>
           <a:ln/>
           <a:extLst>
-            <a:ext uri="{909E8E84-426E-40dd-AFC4-6F175D3DCCD1}">
+            <a:ext uri="{909E8E84-426E-40DD-AFC4-6F175D3DCCD1}">
               <a14:hiddenFill xmlns:a14="http://schemas.microsoft.com/office/drawing/2010/main">
                 <a:solidFill>
                   <a:srgbClr val="FFFFFF"/>
                 </a:solidFill>
               </a14:hiddenFill>
             </a:ext>
-            <a:ext uri="{91240B29-F687-4f45-9708-019B960494DF}">
+            <a:ext uri="{91240B29-F687-4F45-9708-019B960494DF}">
               <a14:hiddenLine xmlns:a14="http://schemas.microsoft.com/office/drawing/2010/main" w="9525">
                 <a:solidFill>
                   <a:srgbClr val="000000"/>
@@ -8555,7 +8555,7 @@
                 <a:latin typeface="Garamond" charset="0"/>
               </a:rPr>
               <a:pPr/>
-              <a:t>10/23/15</a:t>
+              <a:t>10/26/2015</a:t>
             </a:fld>
             <a:endParaRPr lang="en-US" sz="1200">
               <a:latin typeface="Garamond" charset="0"/>
@@ -8602,14 +8602,14 @@
           <a:noFill/>
           <a:ln/>
           <a:extLst>
-            <a:ext uri="{909E8E84-426E-40dd-AFC4-6F175D3DCCD1}">
+            <a:ext uri="{909E8E84-426E-40DD-AFC4-6F175D3DCCD1}">
               <a14:hiddenFill xmlns:a14="http://schemas.microsoft.com/office/drawing/2010/main">
                 <a:solidFill>
                   <a:srgbClr val="FFFFFF"/>
                 </a:solidFill>
               </a14:hiddenFill>
             </a:ext>
-            <a:ext uri="{91240B29-F687-4f45-9708-019B960494DF}">
+            <a:ext uri="{91240B29-F687-4F45-9708-019B960494DF}">
               <a14:hiddenLine xmlns:a14="http://schemas.microsoft.com/office/drawing/2010/main" w="9525">
                 <a:solidFill>
                   <a:srgbClr val="000000"/>
@@ -8752,14 +8752,14 @@
           </a:ln>
           <a:effectLst/>
           <a:extLst>
-            <a:ext uri="{909E8E84-426E-40dd-AFC4-6F175D3DCCD1}">
+            <a:ext uri="{909E8E84-426E-40DD-AFC4-6F175D3DCCD1}">
               <a14:hiddenFill xmlns:a14="http://schemas.microsoft.com/office/drawing/2010/main">
                 <a:solidFill>
                   <a:schemeClr val="accent1"/>
                 </a:solidFill>
               </a14:hiddenFill>
             </a:ext>
-            <a:ext uri="{AF507438-7753-43e0-B8FC-AC1667EBCBE1}">
+            <a:ext uri="{AF507438-7753-43E0-B8FC-AC1667EBCBE1}">
               <a14:hiddenEffects xmlns:a14="http://schemas.microsoft.com/office/drawing/2010/main">
                 <a:effectLst>
                   <a:outerShdw blurRad="63500" dist="38099" dir="2700000" algn="ctr" rotWithShape="0">
@@ -8977,7 +8977,7 @@
   <p:timing>
     <p:tnLst>
       <p:par>
-        <p:cTn xmlns:p14="http://schemas.microsoft.com/office/powerpoint/2010/main" id="1" dur="indefinite" restart="never" nodeType="tmRoot"/>
+        <p:cTn id="1" dur="indefinite" restart="never" nodeType="tmRoot"/>
       </p:par>
     </p:tnLst>
   </p:timing>
@@ -9380,14 +9380,14 @@
           <a:noFill/>
           <a:ln/>
           <a:extLst>
-            <a:ext uri="{909E8E84-426E-40dd-AFC4-6F175D3DCCD1}">
+            <a:ext uri="{909E8E84-426E-40DD-AFC4-6F175D3DCCD1}">
               <a14:hiddenFill xmlns:a14="http://schemas.microsoft.com/office/drawing/2010/main">
                 <a:solidFill>
                   <a:srgbClr val="FFFFFF"/>
                 </a:solidFill>
               </a14:hiddenFill>
             </a:ext>
-            <a:ext uri="{91240B29-F687-4f45-9708-019B960494DF}">
+            <a:ext uri="{91240B29-F687-4F45-9708-019B960494DF}">
               <a14:hiddenLine xmlns:a14="http://schemas.microsoft.com/office/drawing/2010/main" w="9525">
                 <a:solidFill>
                   <a:srgbClr val="000000"/>
@@ -9495,7 +9495,7 @@
                 <a:latin typeface="Garamond" charset="0"/>
               </a:rPr>
               <a:pPr/>
-              <a:t>10/23/15</a:t>
+              <a:t>10/26/2015</a:t>
             </a:fld>
             <a:endParaRPr lang="en-US" sz="1200">
               <a:latin typeface="Garamond" charset="0"/>
@@ -9542,14 +9542,14 @@
           <a:noFill/>
           <a:ln/>
           <a:extLst>
-            <a:ext uri="{909E8E84-426E-40dd-AFC4-6F175D3DCCD1}">
+            <a:ext uri="{909E8E84-426E-40DD-AFC4-6F175D3DCCD1}">
               <a14:hiddenFill xmlns:a14="http://schemas.microsoft.com/office/drawing/2010/main">
                 <a:solidFill>
                   <a:srgbClr val="FFFFFF"/>
                 </a:solidFill>
               </a14:hiddenFill>
             </a:ext>
-            <a:ext uri="{91240B29-F687-4f45-9708-019B960494DF}">
+            <a:ext uri="{91240B29-F687-4F45-9708-019B960494DF}">
               <a14:hiddenLine xmlns:a14="http://schemas.microsoft.com/office/drawing/2010/main" w="9525">
                 <a:solidFill>
                   <a:srgbClr val="000000"/>
@@ -9692,14 +9692,14 @@
           </a:ln>
           <a:effectLst/>
           <a:extLst>
-            <a:ext uri="{909E8E84-426E-40dd-AFC4-6F175D3DCCD1}">
+            <a:ext uri="{909E8E84-426E-40DD-AFC4-6F175D3DCCD1}">
               <a14:hiddenFill xmlns:a14="http://schemas.microsoft.com/office/drawing/2010/main">
                 <a:solidFill>
                   <a:schemeClr val="accent1"/>
                 </a:solidFill>
               </a14:hiddenFill>
             </a:ext>
-            <a:ext uri="{AF507438-7753-43e0-B8FC-AC1667EBCBE1}">
+            <a:ext uri="{AF507438-7753-43E0-B8FC-AC1667EBCBE1}">
               <a14:hiddenEffects xmlns:a14="http://schemas.microsoft.com/office/drawing/2010/main">
                 <a:effectLst>
                   <a:outerShdw blurRad="63500" dist="38099" dir="2700000" algn="ctr" rotWithShape="0">
@@ -9917,7 +9917,7 @@
   <p:timing>
     <p:tnLst>
       <p:par>
-        <p:cTn xmlns:p14="http://schemas.microsoft.com/office/powerpoint/2010/main" id="1" dur="indefinite" restart="never" nodeType="tmRoot"/>
+        <p:cTn id="1" dur="indefinite" restart="never" nodeType="tmRoot"/>
       </p:par>
     </p:tnLst>
   </p:timing>
@@ -10043,7 +10043,25 @@
               <a:rPr lang="en-US" sz="2000" dirty="0">
                 <a:latin typeface="Arial" charset="0"/>
               </a:rPr>
-              <a:t>Will be allowed one double-sized 8.5” x 11” note sheet, calculator</a:t>
+              <a:t>Will be allowed </a:t>
+            </a:r>
+            <a:r>
+              <a:rPr lang="en-US" sz="2000">
+                <a:latin typeface="Arial" charset="0"/>
+              </a:rPr>
+              <a:t>one </a:t>
+            </a:r>
+            <a:r>
+              <a:rPr lang="en-US" sz="2000" smtClean="0">
+                <a:latin typeface="Arial" charset="0"/>
+              </a:rPr>
+              <a:t>double-sided </a:t>
+            </a:r>
+            <a:r>
+              <a:rPr lang="en-US" sz="2000" dirty="0">
+                <a:latin typeface="Arial" charset="0"/>
+              </a:rPr>
+              <a:t>8.5” x 11” note sheet, calculator</a:t>
             </a:r>
           </a:p>
           <a:p>
@@ -10095,9 +10113,6 @@
               </a:rPr>
               <a:t>)</a:t>
             </a:r>
-            <a:endParaRPr lang="en-US" sz="2000" dirty="0" smtClean="0">
-              <a:latin typeface="Arial" charset="0"/>
-            </a:endParaRPr>
           </a:p>
           <a:p>
             <a:pPr lvl="1">
@@ -10131,14 +10146,14 @@
           <a:noFill/>
           <a:ln/>
           <a:extLst>
-            <a:ext uri="{909E8E84-426E-40dd-AFC4-6F175D3DCCD1}">
+            <a:ext uri="{909E8E84-426E-40DD-AFC4-6F175D3DCCD1}">
               <a14:hiddenFill xmlns:a14="http://schemas.microsoft.com/office/drawing/2010/main">
                 <a:solidFill>
                   <a:srgbClr val="FFFFFF"/>
                 </a:solidFill>
               </a14:hiddenFill>
             </a:ext>
-            <a:ext uri="{91240B29-F687-4f45-9708-019B960494DF}">
+            <a:ext uri="{91240B29-F687-4F45-9708-019B960494DF}">
               <a14:hiddenLine xmlns:a14="http://schemas.microsoft.com/office/drawing/2010/main" w="9525">
                 <a:solidFill>
                   <a:srgbClr val="000000"/>
@@ -10246,7 +10261,7 @@
                 <a:latin typeface="Garamond" charset="0"/>
               </a:rPr>
               <a:pPr/>
-              <a:t>10/23/15</a:t>
+              <a:t>10/26/2015</a:t>
             </a:fld>
             <a:endParaRPr lang="en-US" sz="1200">
               <a:latin typeface="Garamond" charset="0"/>
@@ -10293,14 +10308,14 @@
           <a:noFill/>
           <a:ln/>
           <a:extLst>
-            <a:ext uri="{909E8E84-426E-40dd-AFC4-6F175D3DCCD1}">
+            <a:ext uri="{909E8E84-426E-40DD-AFC4-6F175D3DCCD1}">
               <a14:hiddenFill xmlns:a14="http://schemas.microsoft.com/office/drawing/2010/main">
                 <a:solidFill>
                   <a:srgbClr val="FFFFFF"/>
                 </a:solidFill>
               </a14:hiddenFill>
             </a:ext>
-            <a:ext uri="{91240B29-F687-4f45-9708-019B960494DF}">
+            <a:ext uri="{91240B29-F687-4F45-9708-019B960494DF}">
               <a14:hiddenLine xmlns:a14="http://schemas.microsoft.com/office/drawing/2010/main" w="9525">
                 <a:solidFill>
                   <a:srgbClr val="000000"/>
@@ -10424,7 +10439,7 @@
   <p:timing>
     <p:tnLst>
       <p:par>
-        <p:cTn xmlns:p14="http://schemas.microsoft.com/office/powerpoint/2010/main" id="1" dur="indefinite" restart="never" nodeType="tmRoot"/>
+        <p:cTn id="1" dur="indefinite" restart="never" nodeType="tmRoot"/>
       </p:par>
     </p:tnLst>
   </p:timing>
@@ -10543,7 +10558,13 @@
               <a:rPr lang="en-US" sz="2000" dirty="0" smtClean="0">
                 <a:latin typeface="Arial" charset="0"/>
               </a:rPr>
-              <a:t>one double-sized </a:t>
+              <a:t>one </a:t>
+            </a:r>
+            <a:r>
+              <a:rPr lang="en-US" sz="2000" dirty="0" smtClean="0">
+                <a:latin typeface="Arial" charset="0"/>
+              </a:rPr>
+              <a:t>double-sided </a:t>
             </a:r>
             <a:r>
               <a:rPr lang="en-US" sz="2000" dirty="0">
@@ -10595,9 +10616,6 @@
               </a:rPr>
               <a:t> (W, F lectures not on exam)</a:t>
             </a:r>
-            <a:endParaRPr lang="en-US" sz="2000" dirty="0" smtClean="0">
-              <a:latin typeface="Arial" charset="0"/>
-            </a:endParaRPr>
           </a:p>
           <a:p>
             <a:pPr lvl="1">
@@ -10728,14 +10746,14 @@
           <a:noFill/>
           <a:ln/>
           <a:extLst>
-            <a:ext uri="{909E8E84-426E-40dd-AFC4-6F175D3DCCD1}">
+            <a:ext uri="{909E8E84-426E-40DD-AFC4-6F175D3DCCD1}">
               <a14:hiddenFill xmlns:a14="http://schemas.microsoft.com/office/drawing/2010/main">
                 <a:solidFill>
                   <a:srgbClr val="FFFFFF"/>
                 </a:solidFill>
               </a14:hiddenFill>
             </a:ext>
-            <a:ext uri="{91240B29-F687-4f45-9708-019B960494DF}">
+            <a:ext uri="{91240B29-F687-4F45-9708-019B960494DF}">
               <a14:hiddenLine xmlns:a14="http://schemas.microsoft.com/office/drawing/2010/main" w="9525">
                 <a:solidFill>
                   <a:srgbClr val="000000"/>
@@ -10843,7 +10861,7 @@
                 <a:latin typeface="Garamond" charset="0"/>
               </a:rPr>
               <a:pPr/>
-              <a:t>10/23/15</a:t>
+              <a:t>10/26/2015</a:t>
             </a:fld>
             <a:endParaRPr lang="en-US" sz="1200">
               <a:latin typeface="Garamond" charset="0"/>
@@ -10891,14 +10909,14 @@
           <a:noFill/>
           <a:ln/>
           <a:extLst>
-            <a:ext uri="{909E8E84-426E-40dd-AFC4-6F175D3DCCD1}">
+            <a:ext uri="{909E8E84-426E-40DD-AFC4-6F175D3DCCD1}">
               <a14:hiddenFill xmlns:a14="http://schemas.microsoft.com/office/drawing/2010/main">
                 <a:solidFill>
                   <a:srgbClr val="FFFFFF"/>
                 </a:solidFill>
               </a14:hiddenFill>
             </a:ext>
-            <a:ext uri="{91240B29-F687-4f45-9708-019B960494DF}">
+            <a:ext uri="{91240B29-F687-4F45-9708-019B960494DF}">
               <a14:hiddenLine xmlns:a14="http://schemas.microsoft.com/office/drawing/2010/main" w="9525">
                 <a:solidFill>
                   <a:srgbClr val="000000"/>
@@ -11022,7 +11040,7 @@
   <p:timing>
     <p:tnLst>
       <p:par>
-        <p:cTn xmlns:p14="http://schemas.microsoft.com/office/powerpoint/2010/main" id="1" dur="indefinite" restart="never" nodeType="tmRoot"/>
+        <p:cTn id="1" dur="indefinite" restart="never" nodeType="tmRoot"/>
       </p:par>
     </p:tnLst>
   </p:timing>
@@ -11086,14 +11104,14 @@
           <a:noFill/>
           <a:ln/>
           <a:extLst>
-            <a:ext uri="{909E8E84-426E-40dd-AFC4-6F175D3DCCD1}">
+            <a:ext uri="{909E8E84-426E-40DD-AFC4-6F175D3DCCD1}">
               <a14:hiddenFill xmlns:a14="http://schemas.microsoft.com/office/drawing/2010/main">
                 <a:solidFill>
                   <a:srgbClr val="FFFFFF"/>
                 </a:solidFill>
               </a14:hiddenFill>
             </a:ext>
-            <a:ext uri="{91240B29-F687-4f45-9708-019B960494DF}">
+            <a:ext uri="{91240B29-F687-4F45-9708-019B960494DF}">
               <a14:hiddenLine xmlns:a14="http://schemas.microsoft.com/office/drawing/2010/main" w="9525">
                 <a:solidFill>
                   <a:srgbClr val="000000"/>
@@ -11460,14 +11478,14 @@
           </a:ln>
           <a:effectLst/>
           <a:extLst>
-            <a:ext uri="{909E8E84-426E-40dd-AFC4-6F175D3DCCD1}">
+            <a:ext uri="{909E8E84-426E-40DD-AFC4-6F175D3DCCD1}">
               <a14:hiddenFill xmlns:a14="http://schemas.microsoft.com/office/drawing/2010/main">
                 <a:solidFill>
                   <a:schemeClr val="accent1"/>
                 </a:solidFill>
               </a14:hiddenFill>
             </a:ext>
-            <a:ext uri="{91240B29-F687-4f45-9708-019B960494DF}">
+            <a:ext uri="{91240B29-F687-4F45-9708-019B960494DF}">
               <a14:hiddenLine xmlns:a14="http://schemas.microsoft.com/office/drawing/2010/main" w="9525">
                 <a:solidFill>
                   <a:schemeClr val="tx1"/>
@@ -11477,7 +11495,7 @@
                 <a:tailEnd/>
               </a14:hiddenLine>
             </a:ext>
-            <a:ext uri="{AF507438-7753-43e0-B8FC-AC1667EBCBE1}">
+            <a:ext uri="{AF507438-7753-43E0-B8FC-AC1667EBCBE1}">
               <a14:hiddenEffects xmlns:a14="http://schemas.microsoft.com/office/drawing/2010/main">
                 <a:effectLst>
                   <a:outerShdw blurRad="63500" dist="38099" dir="2700000" algn="ctr" rotWithShape="0">
@@ -11759,14 +11777,14 @@
           </a:ln>
           <a:effectLst/>
           <a:extLst>
-            <a:ext uri="{909E8E84-426E-40dd-AFC4-6F175D3DCCD1}">
+            <a:ext uri="{909E8E84-426E-40DD-AFC4-6F175D3DCCD1}">
               <a14:hiddenFill xmlns:a14="http://schemas.microsoft.com/office/drawing/2010/main">
                 <a:solidFill>
                   <a:schemeClr val="accent1"/>
                 </a:solidFill>
               </a14:hiddenFill>
             </a:ext>
-            <a:ext uri="{AF507438-7753-43e0-B8FC-AC1667EBCBE1}">
+            <a:ext uri="{AF507438-7753-43E0-B8FC-AC1667EBCBE1}">
               <a14:hiddenEffects xmlns:a14="http://schemas.microsoft.com/office/drawing/2010/main">
                 <a:effectLst>
                   <a:outerShdw blurRad="63500" dist="38099" dir="2700000" algn="ctr" rotWithShape="0">
@@ -11847,14 +11865,14 @@
           <a:noFill/>
           <a:ln/>
           <a:extLst>
-            <a:ext uri="{909E8E84-426E-40dd-AFC4-6F175D3DCCD1}">
+            <a:ext uri="{909E8E84-426E-40DD-AFC4-6F175D3DCCD1}">
               <a14:hiddenFill xmlns:a14="http://schemas.microsoft.com/office/drawing/2010/main">
                 <a:solidFill>
                   <a:srgbClr val="FFFFFF"/>
                 </a:solidFill>
               </a14:hiddenFill>
             </a:ext>
-            <a:ext uri="{91240B29-F687-4f45-9708-019B960494DF}">
+            <a:ext uri="{91240B29-F687-4F45-9708-019B960494DF}">
               <a14:hiddenLine xmlns:a14="http://schemas.microsoft.com/office/drawing/2010/main" w="9525">
                 <a:solidFill>
                   <a:srgbClr val="000000"/>
@@ -11962,7 +11980,7 @@
                 <a:latin typeface="Garamond" charset="0"/>
               </a:rPr>
               <a:pPr/>
-              <a:t>10/23/15</a:t>
+              <a:t>10/26/2015</a:t>
             </a:fld>
             <a:endParaRPr lang="en-US" sz="1200">
               <a:latin typeface="Garamond" charset="0"/>
@@ -11978,7 +11996,7 @@
   <p:timing>
     <p:tnLst>
       <p:par>
-        <p:cTn xmlns:p14="http://schemas.microsoft.com/office/powerpoint/2010/main" id="1" dur="indefinite" restart="never" nodeType="tmRoot"/>
+        <p:cTn id="1" dur="indefinite" restart="never" nodeType="tmRoot"/>
       </p:par>
     </p:tnLst>
   </p:timing>
@@ -12042,14 +12060,14 @@
           <a:noFill/>
           <a:ln/>
           <a:extLst>
-            <a:ext uri="{909E8E84-426E-40dd-AFC4-6F175D3DCCD1}">
+            <a:ext uri="{909E8E84-426E-40DD-AFC4-6F175D3DCCD1}">
               <a14:hiddenFill xmlns:a14="http://schemas.microsoft.com/office/drawing/2010/main">
                 <a:solidFill>
                   <a:srgbClr val="FFFFFF"/>
                 </a:solidFill>
               </a14:hiddenFill>
             </a:ext>
-            <a:ext uri="{91240B29-F687-4f45-9708-019B960494DF}">
+            <a:ext uri="{91240B29-F687-4F45-9708-019B960494DF}">
               <a14:hiddenLine xmlns:a14="http://schemas.microsoft.com/office/drawing/2010/main" w="9525">
                 <a:solidFill>
                   <a:srgbClr val="000000"/>
@@ -12211,14 +12229,14 @@
           </a:ln>
           <a:effectLst/>
           <a:extLst>
-            <a:ext uri="{909E8E84-426E-40dd-AFC4-6F175D3DCCD1}">
+            <a:ext uri="{909E8E84-426E-40DD-AFC4-6F175D3DCCD1}">
               <a14:hiddenFill xmlns:a14="http://schemas.microsoft.com/office/drawing/2010/main">
                 <a:solidFill>
                   <a:schemeClr val="accent1"/>
                 </a:solidFill>
               </a14:hiddenFill>
             </a:ext>
-            <a:ext uri="{91240B29-F687-4f45-9708-019B960494DF}">
+            <a:ext uri="{91240B29-F687-4F45-9708-019B960494DF}">
               <a14:hiddenLine xmlns:a14="http://schemas.microsoft.com/office/drawing/2010/main" w="9525">
                 <a:solidFill>
                   <a:schemeClr val="tx1"/>
@@ -12228,7 +12246,7 @@
                 <a:tailEnd/>
               </a14:hiddenLine>
             </a:ext>
-            <a:ext uri="{AF507438-7753-43e0-B8FC-AC1667EBCBE1}">
+            <a:ext uri="{AF507438-7753-43E0-B8FC-AC1667EBCBE1}">
               <a14:hiddenEffects xmlns:a14="http://schemas.microsoft.com/office/drawing/2010/main">
                 <a:effectLst>
                   <a:outerShdw blurRad="63500" dist="38099" dir="2700000" algn="ctr" rotWithShape="0">
@@ -12535,14 +12553,14 @@
           </a:ln>
           <a:effectLst/>
           <a:extLst>
-            <a:ext uri="{909E8E84-426E-40dd-AFC4-6F175D3DCCD1}">
+            <a:ext uri="{909E8E84-426E-40DD-AFC4-6F175D3DCCD1}">
               <a14:hiddenFill xmlns:a14="http://schemas.microsoft.com/office/drawing/2010/main">
                 <a:solidFill>
                   <a:schemeClr val="accent1"/>
                 </a:solidFill>
               </a14:hiddenFill>
             </a:ext>
-            <a:ext uri="{AF507438-7753-43e0-B8FC-AC1667EBCBE1}">
+            <a:ext uri="{AF507438-7753-43E0-B8FC-AC1667EBCBE1}">
               <a14:hiddenEffects xmlns:a14="http://schemas.microsoft.com/office/drawing/2010/main">
                 <a:effectLst>
                   <a:outerShdw blurRad="63500" dist="38099" dir="2700000" algn="ctr" rotWithShape="0">
@@ -12623,14 +12641,14 @@
           <a:noFill/>
           <a:ln/>
           <a:extLst>
-            <a:ext uri="{909E8E84-426E-40dd-AFC4-6F175D3DCCD1}">
+            <a:ext uri="{909E8E84-426E-40DD-AFC4-6F175D3DCCD1}">
               <a14:hiddenFill xmlns:a14="http://schemas.microsoft.com/office/drawing/2010/main">
                 <a:solidFill>
                   <a:srgbClr val="FFFFFF"/>
                 </a:solidFill>
               </a14:hiddenFill>
             </a:ext>
-            <a:ext uri="{91240B29-F687-4f45-9708-019B960494DF}">
+            <a:ext uri="{91240B29-F687-4F45-9708-019B960494DF}">
               <a14:hiddenLine xmlns:a14="http://schemas.microsoft.com/office/drawing/2010/main" w="9525">
                 <a:solidFill>
                   <a:srgbClr val="000000"/>
@@ -12738,7 +12756,7 @@
                 <a:latin typeface="Garamond" charset="0"/>
               </a:rPr>
               <a:pPr/>
-              <a:t>10/23/15</a:t>
+              <a:t>10/26/2015</a:t>
             </a:fld>
             <a:endParaRPr lang="en-US" sz="1200">
               <a:latin typeface="Garamond" charset="0"/>
@@ -12754,7 +12772,7 @@
   <p:timing>
     <p:tnLst>
       <p:par>
-        <p:cTn xmlns:p14="http://schemas.microsoft.com/office/powerpoint/2010/main" id="1" dur="indefinite" restart="never" nodeType="tmRoot"/>
+        <p:cTn id="1" dur="indefinite" restart="never" nodeType="tmRoot"/>
       </p:par>
     </p:tnLst>
   </p:timing>
@@ -13142,14 +13160,14 @@
           <a:noFill/>
           <a:ln/>
           <a:extLst>
-            <a:ext uri="{909E8E84-426E-40dd-AFC4-6F175D3DCCD1}">
+            <a:ext uri="{909E8E84-426E-40DD-AFC4-6F175D3DCCD1}">
               <a14:hiddenFill xmlns:a14="http://schemas.microsoft.com/office/drawing/2010/main">
                 <a:solidFill>
                   <a:srgbClr val="FFFFFF"/>
                 </a:solidFill>
               </a14:hiddenFill>
             </a:ext>
-            <a:ext uri="{91240B29-F687-4f45-9708-019B960494DF}">
+            <a:ext uri="{91240B29-F687-4F45-9708-019B960494DF}">
               <a14:hiddenLine xmlns:a14="http://schemas.microsoft.com/office/drawing/2010/main" w="9525">
                 <a:solidFill>
                   <a:srgbClr val="000000"/>
@@ -13257,7 +13275,7 @@
                 <a:latin typeface="Garamond" charset="0"/>
               </a:rPr>
               <a:pPr/>
-              <a:t>10/23/15</a:t>
+              <a:t>10/26/2015</a:t>
             </a:fld>
             <a:endParaRPr lang="en-US" sz="1200">
               <a:latin typeface="Garamond" charset="0"/>
@@ -13305,14 +13323,14 @@
           <a:noFill/>
           <a:ln/>
           <a:extLst>
-            <a:ext uri="{909E8E84-426E-40dd-AFC4-6F175D3DCCD1}">
+            <a:ext uri="{909E8E84-426E-40DD-AFC4-6F175D3DCCD1}">
               <a14:hiddenFill xmlns:a14="http://schemas.microsoft.com/office/drawing/2010/main">
                 <a:solidFill>
                   <a:srgbClr val="FFFFFF"/>
                 </a:solidFill>
               </a14:hiddenFill>
             </a:ext>
-            <a:ext uri="{91240B29-F687-4f45-9708-019B960494DF}">
+            <a:ext uri="{91240B29-F687-4F45-9708-019B960494DF}">
               <a14:hiddenLine xmlns:a14="http://schemas.microsoft.com/office/drawing/2010/main" w="9525">
                 <a:solidFill>
                   <a:srgbClr val="000000"/>
@@ -13436,7 +13454,7 @@
   <p:timing>
     <p:tnLst>
       <p:par>
-        <p:cTn xmlns:p14="http://schemas.microsoft.com/office/powerpoint/2010/main" id="1" dur="indefinite" restart="never" nodeType="tmRoot"/>
+        <p:cTn id="1" dur="indefinite" restart="never" nodeType="tmRoot"/>
       </p:par>
     </p:tnLst>
   </p:timing>
@@ -14185,14 +14203,14 @@
           <a:noFill/>
           <a:ln/>
           <a:extLst>
-            <a:ext uri="{909E8E84-426E-40dd-AFC4-6F175D3DCCD1}">
+            <a:ext uri="{909E8E84-426E-40DD-AFC4-6F175D3DCCD1}">
               <a14:hiddenFill xmlns:a14="http://schemas.microsoft.com/office/drawing/2010/main">
                 <a:solidFill>
                   <a:srgbClr val="FFFFFF"/>
                 </a:solidFill>
               </a14:hiddenFill>
             </a:ext>
-            <a:ext uri="{91240B29-F687-4f45-9708-019B960494DF}">
+            <a:ext uri="{91240B29-F687-4F45-9708-019B960494DF}">
               <a14:hiddenLine xmlns:a14="http://schemas.microsoft.com/office/drawing/2010/main" w="9525">
                 <a:solidFill>
                   <a:srgbClr val="000000"/>
@@ -14300,7 +14318,7 @@
                 <a:latin typeface="Garamond" charset="0"/>
               </a:rPr>
               <a:pPr/>
-              <a:t>10/23/15</a:t>
+              <a:t>10/26/2015</a:t>
             </a:fld>
             <a:endParaRPr lang="en-US" sz="1200">
               <a:latin typeface="Garamond" charset="0"/>
@@ -14348,14 +14366,14 @@
           <a:noFill/>
           <a:ln/>
           <a:extLst>
-            <a:ext uri="{909E8E84-426E-40dd-AFC4-6F175D3DCCD1}">
+            <a:ext uri="{909E8E84-426E-40DD-AFC4-6F175D3DCCD1}">
               <a14:hiddenFill xmlns:a14="http://schemas.microsoft.com/office/drawing/2010/main">
                 <a:solidFill>
                   <a:srgbClr val="FFFFFF"/>
                 </a:solidFill>
               </a14:hiddenFill>
             </a:ext>
-            <a:ext uri="{91240B29-F687-4f45-9708-019B960494DF}">
+            <a:ext uri="{91240B29-F687-4F45-9708-019B960494DF}">
               <a14:hiddenLine xmlns:a14="http://schemas.microsoft.com/office/drawing/2010/main" w="9525">
                 <a:solidFill>
                   <a:srgbClr val="000000"/>
@@ -14479,7 +14497,7 @@
   <p:timing>
     <p:tnLst>
       <p:par>
-        <p:cTn xmlns:p14="http://schemas.microsoft.com/office/powerpoint/2010/main" id="1" dur="indefinite" restart="never" nodeType="tmRoot"/>
+        <p:cTn id="1" dur="indefinite" restart="never" nodeType="tmRoot"/>
       </p:par>
     </p:tnLst>
   </p:timing>
@@ -14542,14 +14560,14 @@
           <a:noFill/>
           <a:ln/>
           <a:extLst>
-            <a:ext uri="{909E8E84-426E-40dd-AFC4-6F175D3DCCD1}">
+            <a:ext uri="{909E8E84-426E-40DD-AFC4-6F175D3DCCD1}">
               <a14:hiddenFill xmlns:a14="http://schemas.microsoft.com/office/drawing/2010/main">
                 <a:solidFill>
                   <a:srgbClr val="FFFFFF"/>
                 </a:solidFill>
               </a14:hiddenFill>
             </a:ext>
-            <a:ext uri="{91240B29-F687-4f45-9708-019B960494DF}">
+            <a:ext uri="{91240B29-F687-4F45-9708-019B960494DF}">
               <a14:hiddenLine xmlns:a14="http://schemas.microsoft.com/office/drawing/2010/main" w="9525">
                 <a:solidFill>
                   <a:srgbClr val="000000"/>
@@ -14880,14 +14898,14 @@
           </a:ln>
           <a:effectLst/>
           <a:extLst>
-            <a:ext uri="{909E8E84-426E-40dd-AFC4-6F175D3DCCD1}">
+            <a:ext uri="{909E8E84-426E-40DD-AFC4-6F175D3DCCD1}">
               <a14:hiddenFill xmlns:a14="http://schemas.microsoft.com/office/drawing/2010/main">
                 <a:solidFill>
                   <a:schemeClr val="accent1"/>
                 </a:solidFill>
               </a14:hiddenFill>
             </a:ext>
-            <a:ext uri="{91240B29-F687-4f45-9708-019B960494DF}">
+            <a:ext uri="{91240B29-F687-4F45-9708-019B960494DF}">
               <a14:hiddenLine xmlns:a14="http://schemas.microsoft.com/office/drawing/2010/main" w="9525">
                 <a:solidFill>
                   <a:schemeClr val="tx1"/>
@@ -14897,7 +14915,7 @@
                 <a:tailEnd/>
               </a14:hiddenLine>
             </a:ext>
-            <a:ext uri="{AF507438-7753-43e0-B8FC-AC1667EBCBE1}">
+            <a:ext uri="{AF507438-7753-43E0-B8FC-AC1667EBCBE1}">
               <a14:hiddenEffects xmlns:a14="http://schemas.microsoft.com/office/drawing/2010/main">
                 <a:effectLst>
                   <a:outerShdw blurRad="63500" dist="38099" dir="2700000" algn="ctr" rotWithShape="0">
@@ -15237,14 +15255,14 @@
           </a:ln>
           <a:effectLst/>
           <a:extLst>
-            <a:ext uri="{909E8E84-426E-40dd-AFC4-6F175D3DCCD1}">
+            <a:ext uri="{909E8E84-426E-40DD-AFC4-6F175D3DCCD1}">
               <a14:hiddenFill xmlns:a14="http://schemas.microsoft.com/office/drawing/2010/main">
                 <a:solidFill>
                   <a:schemeClr val="accent1"/>
                 </a:solidFill>
               </a14:hiddenFill>
             </a:ext>
-            <a:ext uri="{AF507438-7753-43e0-B8FC-AC1667EBCBE1}">
+            <a:ext uri="{AF507438-7753-43E0-B8FC-AC1667EBCBE1}">
               <a14:hiddenEffects xmlns:a14="http://schemas.microsoft.com/office/drawing/2010/main">
                 <a:effectLst>
                   <a:outerShdw blurRad="63500" dist="38099" dir="2700000" algn="ctr" rotWithShape="0">
@@ -15325,14 +15343,14 @@
           <a:noFill/>
           <a:ln/>
           <a:extLst>
-            <a:ext uri="{909E8E84-426E-40dd-AFC4-6F175D3DCCD1}">
+            <a:ext uri="{909E8E84-426E-40DD-AFC4-6F175D3DCCD1}">
               <a14:hiddenFill xmlns:a14="http://schemas.microsoft.com/office/drawing/2010/main">
                 <a:solidFill>
                   <a:srgbClr val="FFFFFF"/>
                 </a:solidFill>
               </a14:hiddenFill>
             </a:ext>
-            <a:ext uri="{91240B29-F687-4f45-9708-019B960494DF}">
+            <a:ext uri="{91240B29-F687-4F45-9708-019B960494DF}">
               <a14:hiddenLine xmlns:a14="http://schemas.microsoft.com/office/drawing/2010/main" w="9525">
                 <a:solidFill>
                   <a:srgbClr val="000000"/>
@@ -15440,7 +15458,7 @@
                 <a:latin typeface="Garamond" charset="0"/>
               </a:rPr>
               <a:pPr/>
-              <a:t>10/23/15</a:t>
+              <a:t>10/26/2015</a:t>
             </a:fld>
             <a:endParaRPr lang="en-US" sz="1200">
               <a:latin typeface="Garamond" charset="0"/>
@@ -15456,7 +15474,7 @@
   <p:timing>
     <p:tnLst>
       <p:par>
-        <p:cTn xmlns:p14="http://schemas.microsoft.com/office/powerpoint/2010/main" id="1" dur="indefinite" restart="never" nodeType="tmRoot"/>
+        <p:cTn id="1" dur="indefinite" restart="never" nodeType="tmRoot"/>
       </p:par>
     </p:tnLst>
   </p:timing>
@@ -15519,14 +15537,14 @@
           <a:noFill/>
           <a:ln/>
           <a:extLst>
-            <a:ext uri="{909E8E84-426E-40dd-AFC4-6F175D3DCCD1}">
+            <a:ext uri="{909E8E84-426E-40DD-AFC4-6F175D3DCCD1}">
               <a14:hiddenFill xmlns:a14="http://schemas.microsoft.com/office/drawing/2010/main">
                 <a:solidFill>
                   <a:srgbClr val="FFFFFF"/>
                 </a:solidFill>
               </a14:hiddenFill>
             </a:ext>
-            <a:ext uri="{91240B29-F687-4f45-9708-019B960494DF}">
+            <a:ext uri="{91240B29-F687-4F45-9708-019B960494DF}">
               <a14:hiddenLine xmlns:a14="http://schemas.microsoft.com/office/drawing/2010/main" w="9525">
                 <a:solidFill>
                   <a:srgbClr val="000000"/>
@@ -15917,14 +15935,14 @@
           </a:ln>
           <a:effectLst/>
           <a:extLst>
-            <a:ext uri="{909E8E84-426E-40dd-AFC4-6F175D3DCCD1}">
+            <a:ext uri="{909E8E84-426E-40DD-AFC4-6F175D3DCCD1}">
               <a14:hiddenFill xmlns:a14="http://schemas.microsoft.com/office/drawing/2010/main">
                 <a:solidFill>
                   <a:schemeClr val="accent1"/>
                 </a:solidFill>
               </a14:hiddenFill>
             </a:ext>
-            <a:ext uri="{91240B29-F687-4f45-9708-019B960494DF}">
+            <a:ext uri="{91240B29-F687-4F45-9708-019B960494DF}">
               <a14:hiddenLine xmlns:a14="http://schemas.microsoft.com/office/drawing/2010/main" w="9525">
                 <a:solidFill>
                   <a:schemeClr val="tx1"/>
@@ -15934,7 +15952,7 @@
                 <a:tailEnd/>
               </a14:hiddenLine>
             </a:ext>
-            <a:ext uri="{AF507438-7753-43e0-B8FC-AC1667EBCBE1}">
+            <a:ext uri="{AF507438-7753-43E0-B8FC-AC1667EBCBE1}">
               <a14:hiddenEffects xmlns:a14="http://schemas.microsoft.com/office/drawing/2010/main">
                 <a:effectLst>
                   <a:outerShdw blurRad="63500" dist="38099" dir="2700000" algn="ctr" rotWithShape="0">
@@ -16138,14 +16156,14 @@
           </a:ln>
           <a:effectLst/>
           <a:extLst>
-            <a:ext uri="{909E8E84-426E-40dd-AFC4-6F175D3DCCD1}">
+            <a:ext uri="{909E8E84-426E-40DD-AFC4-6F175D3DCCD1}">
               <a14:hiddenFill xmlns:a14="http://schemas.microsoft.com/office/drawing/2010/main">
                 <a:solidFill>
                   <a:schemeClr val="accent1"/>
                 </a:solidFill>
               </a14:hiddenFill>
             </a:ext>
-            <a:ext uri="{AF507438-7753-43e0-B8FC-AC1667EBCBE1}">
+            <a:ext uri="{AF507438-7753-43E0-B8FC-AC1667EBCBE1}">
               <a14:hiddenEffects xmlns:a14="http://schemas.microsoft.com/office/drawing/2010/main">
                 <a:effectLst>
                   <a:outerShdw blurRad="63500" dist="38099" dir="2700000" algn="ctr" rotWithShape="0">
@@ -16234,14 +16252,14 @@
           </a:ln>
           <a:effectLst/>
           <a:extLst>
-            <a:ext uri="{909E8E84-426E-40dd-AFC4-6F175D3DCCD1}">
+            <a:ext uri="{909E8E84-426E-40DD-AFC4-6F175D3DCCD1}">
               <a14:hiddenFill xmlns:a14="http://schemas.microsoft.com/office/drawing/2010/main">
                 <a:solidFill>
                   <a:schemeClr val="accent1"/>
                 </a:solidFill>
               </a14:hiddenFill>
             </a:ext>
-            <a:ext uri="{91240B29-F687-4f45-9708-019B960494DF}">
+            <a:ext uri="{91240B29-F687-4F45-9708-019B960494DF}">
               <a14:hiddenLine xmlns:a14="http://schemas.microsoft.com/office/drawing/2010/main" w="9525">
                 <a:solidFill>
                   <a:schemeClr val="tx1"/>
@@ -16251,7 +16269,7 @@
                 <a:tailEnd/>
               </a14:hiddenLine>
             </a:ext>
-            <a:ext uri="{AF507438-7753-43e0-B8FC-AC1667EBCBE1}">
+            <a:ext uri="{AF507438-7753-43E0-B8FC-AC1667EBCBE1}">
               <a14:hiddenEffects xmlns:a14="http://schemas.microsoft.com/office/drawing/2010/main">
                 <a:effectLst>
                   <a:outerShdw blurRad="63500" dist="38099" dir="2700000" algn="ctr" rotWithShape="0">
@@ -16461,14 +16479,14 @@
           <a:noFill/>
           <a:ln/>
           <a:extLst>
-            <a:ext uri="{909E8E84-426E-40dd-AFC4-6F175D3DCCD1}">
+            <a:ext uri="{909E8E84-426E-40DD-AFC4-6F175D3DCCD1}">
               <a14:hiddenFill xmlns:a14="http://schemas.microsoft.com/office/drawing/2010/main">
                 <a:solidFill>
                   <a:srgbClr val="FFFFFF"/>
                 </a:solidFill>
               </a14:hiddenFill>
             </a:ext>
-            <a:ext uri="{91240B29-F687-4f45-9708-019B960494DF}">
+            <a:ext uri="{91240B29-F687-4F45-9708-019B960494DF}">
               <a14:hiddenLine xmlns:a14="http://schemas.microsoft.com/office/drawing/2010/main" w="9525">
                 <a:solidFill>
                   <a:srgbClr val="000000"/>
@@ -16576,7 +16594,7 @@
                 <a:latin typeface="Garamond" charset="0"/>
               </a:rPr>
               <a:pPr/>
-              <a:t>10/23/15</a:t>
+              <a:t>10/26/2015</a:t>
             </a:fld>
             <a:endParaRPr lang="en-US" sz="1200">
               <a:latin typeface="Garamond" charset="0"/>
@@ -16592,7 +16610,7 @@
   <p:timing>
     <p:tnLst>
       <p:par>
-        <p:cTn xmlns:p14="http://schemas.microsoft.com/office/powerpoint/2010/main" id="1" dur="indefinite" restart="never" nodeType="tmRoot"/>
+        <p:cTn id="1" dur="indefinite" restart="never" nodeType="tmRoot"/>
       </p:par>
     </p:tnLst>
   </p:timing>
@@ -17369,14 +17387,14 @@
           <a:noFill/>
           <a:ln/>
           <a:extLst>
-            <a:ext uri="{909E8E84-426E-40dd-AFC4-6F175D3DCCD1}">
+            <a:ext uri="{909E8E84-426E-40DD-AFC4-6F175D3DCCD1}">
               <a14:hiddenFill xmlns:a14="http://schemas.microsoft.com/office/drawing/2010/main">
                 <a:solidFill>
                   <a:srgbClr val="FFFFFF"/>
                 </a:solidFill>
               </a14:hiddenFill>
             </a:ext>
-            <a:ext uri="{91240B29-F687-4f45-9708-019B960494DF}">
+            <a:ext uri="{91240B29-F687-4F45-9708-019B960494DF}">
               <a14:hiddenLine xmlns:a14="http://schemas.microsoft.com/office/drawing/2010/main" w="9525">
                 <a:solidFill>
                   <a:srgbClr val="000000"/>
@@ -17484,7 +17502,7 @@
                 <a:latin typeface="Garamond" charset="0"/>
               </a:rPr>
               <a:pPr/>
-              <a:t>10/23/15</a:t>
+              <a:t>10/26/2015</a:t>
             </a:fld>
             <a:endParaRPr lang="en-US" sz="1200">
               <a:latin typeface="Garamond" charset="0"/>
@@ -17531,14 +17549,14 @@
           <a:noFill/>
           <a:ln/>
           <a:extLst>
-            <a:ext uri="{909E8E84-426E-40dd-AFC4-6F175D3DCCD1}">
+            <a:ext uri="{909E8E84-426E-40DD-AFC4-6F175D3DCCD1}">
               <a14:hiddenFill xmlns:a14="http://schemas.microsoft.com/office/drawing/2010/main">
                 <a:solidFill>
                   <a:srgbClr val="FFFFFF"/>
                 </a:solidFill>
               </a14:hiddenFill>
             </a:ext>
-            <a:ext uri="{91240B29-F687-4f45-9708-019B960494DF}">
+            <a:ext uri="{91240B29-F687-4F45-9708-019B960494DF}">
               <a14:hiddenLine xmlns:a14="http://schemas.microsoft.com/office/drawing/2010/main" w="9525">
                 <a:solidFill>
                   <a:srgbClr val="000000"/>
@@ -17662,7 +17680,7 @@
   <p:timing>
     <p:tnLst>
       <p:par>
-        <p:cTn xmlns:p14="http://schemas.microsoft.com/office/powerpoint/2010/main" id="1" dur="indefinite" restart="never" nodeType="tmRoot"/>
+        <p:cTn id="1" dur="indefinite" restart="never" nodeType="tmRoot"/>
       </p:par>
     </p:tnLst>
   </p:timing>
